--- a/GitHub_Actions_Workflows_Examples.pptx
+++ b/GitHub_Actions_Workflows_Examples.pptx
@@ -5,13 +5,13 @@
     <p:sldMasterId id="2147483648" r:id="rId1"/>
   </p:sldMasterIdLst>
   <p:sldIdLst>
-    <p:sldId id="256" r:id="rId7"/>
-    <p:sldId id="257" r:id="rId8"/>
-    <p:sldId id="258" r:id="rId9"/>
-    <p:sldId id="259" r:id="rId10"/>
-    <p:sldId id="260" r:id="rId11"/>
-    <p:sldId id="261" r:id="rId12"/>
-    <p:sldId id="262" r:id="rId13"/>
+    <p:sldId id="256" r:id="rId2"/>
+    <p:sldId id="257" r:id="rId3"/>
+    <p:sldId id="258" r:id="rId4"/>
+    <p:sldId id="259" r:id="rId5"/>
+    <p:sldId id="260" r:id="rId6"/>
+    <p:sldId id="261" r:id="rId7"/>
+    <p:sldId id="262" r:id="rId8"/>
   </p:sldIdLst>
   <p:sldSz cx="9144000" cy="6858000" type="screen4x3"/>
   <p:notesSz cx="6858000" cy="9144000"/>
@@ -110,6 +110,22 @@
       </a:defRPr>
     </a:lvl9pPr>
   </p:defaultTextStyle>
+  <p:extLst>
+    <p:ext uri="{EFAFB233-063F-42B5-8137-9DF3F51BA10A}">
+      <p15:sldGuideLst xmlns:p15="http://schemas.microsoft.com/office/powerpoint/2012/main">
+        <p15:guide id="1" orient="horz" pos="2160">
+          <p15:clr>
+            <a:srgbClr val="A4A3A4"/>
+          </p15:clr>
+        </p15:guide>
+        <p15:guide id="2" pos="2880">
+          <p15:clr>
+            <a:srgbClr val="A4A3A4"/>
+          </p15:clr>
+        </p15:guide>
+      </p15:sldGuideLst>
+    </p:ext>
+  </p:extLst>
 </p:presentation>
 </file>
 
@@ -294,7 +310,7 @@
           <a:p>
             <a:fld id="{5BCAD085-E8A6-8845-BD4E-CB4CCA059FC4}" type="datetimeFigureOut">
               <a:rPr lang="en-US" smtClean="0"/>
-              <a:t>1/27/13</a:t>
+              <a:t>11/14/2024</a:t>
             </a:fld>
             <a:endParaRPr lang="en-US"/>
           </a:p>
@@ -464,7 +480,7 @@
           <a:p>
             <a:fld id="{5BCAD085-E8A6-8845-BD4E-CB4CCA059FC4}" type="datetimeFigureOut">
               <a:rPr lang="en-US" smtClean="0"/>
-              <a:t>1/27/13</a:t>
+              <a:t>11/14/2024</a:t>
             </a:fld>
             <a:endParaRPr lang="en-US"/>
           </a:p>
@@ -644,7 +660,7 @@
           <a:p>
             <a:fld id="{5BCAD085-E8A6-8845-BD4E-CB4CCA059FC4}" type="datetimeFigureOut">
               <a:rPr lang="en-US" smtClean="0"/>
-              <a:t>1/27/13</a:t>
+              <a:t>11/14/2024</a:t>
             </a:fld>
             <a:endParaRPr lang="en-US"/>
           </a:p>
@@ -814,7 +830,7 @@
           <a:p>
             <a:fld id="{5BCAD085-E8A6-8845-BD4E-CB4CCA059FC4}" type="datetimeFigureOut">
               <a:rPr lang="en-US" smtClean="0"/>
-              <a:t>1/27/13</a:t>
+              <a:t>11/14/2024</a:t>
             </a:fld>
             <a:endParaRPr lang="en-US"/>
           </a:p>
@@ -1060,7 +1076,7 @@
           <a:p>
             <a:fld id="{5BCAD085-E8A6-8845-BD4E-CB4CCA059FC4}" type="datetimeFigureOut">
               <a:rPr lang="en-US" smtClean="0"/>
-              <a:t>1/27/13</a:t>
+              <a:t>11/14/2024</a:t>
             </a:fld>
             <a:endParaRPr lang="en-US"/>
           </a:p>
@@ -1348,7 +1364,7 @@
           <a:p>
             <a:fld id="{5BCAD085-E8A6-8845-BD4E-CB4CCA059FC4}" type="datetimeFigureOut">
               <a:rPr lang="en-US" smtClean="0"/>
-              <a:t>1/27/13</a:t>
+              <a:t>11/14/2024</a:t>
             </a:fld>
             <a:endParaRPr lang="en-US"/>
           </a:p>
@@ -1770,7 +1786,7 @@
           <a:p>
             <a:fld id="{5BCAD085-E8A6-8845-BD4E-CB4CCA059FC4}" type="datetimeFigureOut">
               <a:rPr lang="en-US" smtClean="0"/>
-              <a:t>1/27/13</a:t>
+              <a:t>11/14/2024</a:t>
             </a:fld>
             <a:endParaRPr lang="en-US"/>
           </a:p>
@@ -1888,7 +1904,7 @@
           <a:p>
             <a:fld id="{5BCAD085-E8A6-8845-BD4E-CB4CCA059FC4}" type="datetimeFigureOut">
               <a:rPr lang="en-US" smtClean="0"/>
-              <a:t>1/27/13</a:t>
+              <a:t>11/14/2024</a:t>
             </a:fld>
             <a:endParaRPr lang="en-US"/>
           </a:p>
@@ -1983,7 +1999,7 @@
           <a:p>
             <a:fld id="{5BCAD085-E8A6-8845-BD4E-CB4CCA059FC4}" type="datetimeFigureOut">
               <a:rPr lang="en-US" smtClean="0"/>
-              <a:t>1/27/13</a:t>
+              <a:t>11/14/2024</a:t>
             </a:fld>
             <a:endParaRPr lang="en-US"/>
           </a:p>
@@ -2260,7 +2276,7 @@
           <a:p>
             <a:fld id="{5BCAD085-E8A6-8845-BD4E-CB4CCA059FC4}" type="datetimeFigureOut">
               <a:rPr lang="en-US" smtClean="0"/>
-              <a:t>1/27/13</a:t>
+              <a:t>11/14/2024</a:t>
             </a:fld>
             <a:endParaRPr lang="en-US"/>
           </a:p>
@@ -2513,7 +2529,7 @@
           <a:p>
             <a:fld id="{5BCAD085-E8A6-8845-BD4E-CB4CCA059FC4}" type="datetimeFigureOut">
               <a:rPr lang="en-US" smtClean="0"/>
-              <a:t>1/27/13</a:t>
+              <a:t>11/14/2024</a:t>
             </a:fld>
             <a:endParaRPr lang="en-US"/>
           </a:p>
@@ -2726,7 +2742,7 @@
           <a:p>
             <a:fld id="{5BCAD085-E8A6-8845-BD4E-CB4CCA059FC4}" type="datetimeFigureOut">
               <a:rPr lang="en-US" smtClean="0"/>
-              <a:t>1/27/13</a:t>
+              <a:t>11/14/2024</a:t>
             </a:fld>
             <a:endParaRPr lang="en-US"/>
           </a:p>
@@ -3085,7 +3101,7 @@
 </file>
 
 <file path=ppt/slides/slide1.xml><?xml version="1.0" encoding="utf-8"?>
-<p:sld xmlns:a="http://schemas.openxmlformats.org/drawingml/2006/main" xmlns:p="http://schemas.openxmlformats.org/presentationml/2006/main" xmlns:r="http://schemas.openxmlformats.org/officeDocument/2006/relationships">
+<p:sld xmlns:a="http://schemas.openxmlformats.org/drawingml/2006/main" xmlns:r="http://schemas.openxmlformats.org/officeDocument/2006/relationships" xmlns:p="http://schemas.openxmlformats.org/presentationml/2006/main">
   <p:cSld>
     <p:spTree>
       <p:nvGrpSpPr>
@@ -3093,7 +3109,14 @@
         <p:cNvGrpSpPr/>
         <p:nvPr/>
       </p:nvGrpSpPr>
-      <p:grpSpPr/>
+      <p:grpSpPr>
+        <a:xfrm>
+          <a:off x="0" y="0"/>
+          <a:ext cx="0" cy="0"/>
+          <a:chOff x="0" y="0"/>
+          <a:chExt cx="0" cy="0"/>
+        </a:xfrm>
+      </p:grpSpPr>
       <p:sp>
         <p:nvSpPr>
           <p:cNvPr id="2" name="Title 1"/>
@@ -3129,7 +3152,852 @@
         <p:txBody>
           <a:bodyPr/>
           <a:lstStyle/>
-          <a:p/>
+          <a:p>
+            <a:endParaRPr/>
+          </a:p>
+        </p:txBody>
+      </p:sp>
+      <p:sp>
+        <p:nvSpPr>
+          <p:cNvPr id="4" name="TextBox 3"/>
+          <p:cNvSpPr txBox="1"/>
+          <p:nvPr/>
+        </p:nvSpPr>
+        <p:spPr>
+          <a:xfrm>
+            <a:off x="457200" y="1371600"/>
+            <a:ext cx="3406189" cy="4278094"/>
+          </a:xfrm>
+          <a:prstGeom prst="rect">
+            <a:avLst/>
+          </a:prstGeom>
+          <a:noFill/>
+        </p:spPr>
+        <p:txBody>
+          <a:bodyPr wrap="none">
+            <a:spAutoFit/>
+          </a:bodyPr>
+          <a:lstStyle/>
+          <a:p>
+            <a:endParaRPr sz="1600" dirty="0"/>
+          </a:p>
+          <a:p>
+            <a:pPr>
+              <a:defRPr sz="2160"/>
+            </a:pPr>
+            <a:r>
+              <a:rPr sz="1600" dirty="0"/>
+              <a:t># basic-</a:t>
+            </a:r>
+            <a:r>
+              <a:rPr sz="1600" dirty="0" err="1"/>
+              <a:t>workflow.yml</a:t>
+            </a:r>
+            <a:r>
+              <a:rPr sz="1600" dirty="0"/>
+              <a:t/>
+            </a:r>
+            <a:br>
+              <a:rPr sz="1600" dirty="0"/>
+            </a:br>
+            <a:r>
+              <a:rPr sz="1600" dirty="0"/>
+              <a:t>name: Basic Workflow Example</a:t>
+            </a:r>
+            <a:br>
+              <a:rPr sz="1600" dirty="0"/>
+            </a:br>
+            <a:r>
+              <a:rPr sz="1600" dirty="0"/>
+              <a:t/>
+            </a:r>
+            <a:br>
+              <a:rPr sz="1600" dirty="0"/>
+            </a:br>
+            <a:r>
+              <a:rPr sz="1600" dirty="0"/>
+              <a:t>on:</a:t>
+            </a:r>
+            <a:br>
+              <a:rPr sz="1600" dirty="0"/>
+            </a:br>
+            <a:r>
+              <a:rPr sz="1600" dirty="0"/>
+              <a:t>  push:</a:t>
+            </a:r>
+            <a:br>
+              <a:rPr sz="1600" dirty="0"/>
+            </a:br>
+            <a:r>
+              <a:rPr sz="1600" dirty="0"/>
+              <a:t>    branches:</a:t>
+            </a:r>
+            <a:br>
+              <a:rPr sz="1600" dirty="0"/>
+            </a:br>
+            <a:r>
+              <a:rPr sz="1600" dirty="0"/>
+              <a:t>      - main</a:t>
+            </a:r>
+            <a:br>
+              <a:rPr sz="1600" dirty="0"/>
+            </a:br>
+            <a:r>
+              <a:rPr sz="1600" dirty="0"/>
+              <a:t/>
+            </a:r>
+            <a:br>
+              <a:rPr sz="1600" dirty="0"/>
+            </a:br>
+            <a:r>
+              <a:rPr sz="1600" dirty="0"/>
+              <a:t>jobs:</a:t>
+            </a:r>
+            <a:br>
+              <a:rPr sz="1600" dirty="0"/>
+            </a:br>
+            <a:r>
+              <a:rPr sz="1600" dirty="0"/>
+              <a:t>  example:</a:t>
+            </a:r>
+            <a:br>
+              <a:rPr sz="1600" dirty="0"/>
+            </a:br>
+            <a:r>
+              <a:rPr sz="1600" dirty="0"/>
+              <a:t>    runs-on: </a:t>
+            </a:r>
+            <a:r>
+              <a:rPr sz="1600" dirty="0" err="1"/>
+              <a:t>ubuntu</a:t>
+            </a:r>
+            <a:r>
+              <a:rPr sz="1600" dirty="0"/>
+              <a:t>-latest</a:t>
+            </a:r>
+            <a:br>
+              <a:rPr sz="1600" dirty="0"/>
+            </a:br>
+            <a:r>
+              <a:rPr sz="1600" dirty="0"/>
+              <a:t>    steps:</a:t>
+            </a:r>
+            <a:br>
+              <a:rPr sz="1600" dirty="0"/>
+            </a:br>
+            <a:r>
+              <a:rPr sz="1600" dirty="0"/>
+              <a:t>      - name: Checkout code</a:t>
+            </a:r>
+            <a:br>
+              <a:rPr sz="1600" dirty="0"/>
+            </a:br>
+            <a:r>
+              <a:rPr sz="1600" dirty="0"/>
+              <a:t>        uses: actions/checkout@v3</a:t>
+            </a:r>
+            <a:br>
+              <a:rPr sz="1600" dirty="0"/>
+            </a:br>
+            <a:r>
+              <a:rPr sz="1600" dirty="0"/>
+              <a:t>      - name: Print Hello</a:t>
+            </a:r>
+            <a:br>
+              <a:rPr sz="1600" dirty="0"/>
+            </a:br>
+            <a:r>
+              <a:rPr sz="1600" dirty="0"/>
+              <a:t>        run: echo "Hello, </a:t>
+            </a:r>
+            <a:r>
+              <a:rPr sz="1600" dirty="0" err="1"/>
+              <a:t>GitHub</a:t>
+            </a:r>
+            <a:r>
+              <a:rPr sz="1600" dirty="0"/>
+              <a:t> Actions!"</a:t>
+            </a:r>
+          </a:p>
+        </p:txBody>
+      </p:sp>
+    </p:spTree>
+  </p:cSld>
+  <p:clrMapOvr>
+    <a:masterClrMapping/>
+  </p:clrMapOvr>
+</p:sld>
+</file>
+
+<file path=ppt/slides/slide2.xml><?xml version="1.0" encoding="utf-8"?>
+<p:sld xmlns:a="http://schemas.openxmlformats.org/drawingml/2006/main" xmlns:r="http://schemas.openxmlformats.org/officeDocument/2006/relationships" xmlns:p="http://schemas.openxmlformats.org/presentationml/2006/main">
+  <p:cSld>
+    <p:spTree>
+      <p:nvGrpSpPr>
+        <p:cNvPr id="1" name=""/>
+        <p:cNvGrpSpPr/>
+        <p:nvPr/>
+      </p:nvGrpSpPr>
+      <p:grpSpPr>
+        <a:xfrm>
+          <a:off x="0" y="0"/>
+          <a:ext cx="0" cy="0"/>
+          <a:chOff x="0" y="0"/>
+          <a:chExt cx="0" cy="0"/>
+        </a:xfrm>
+      </p:grpSpPr>
+      <p:sp>
+        <p:nvSpPr>
+          <p:cNvPr id="2" name="Title 1"/>
+          <p:cNvSpPr>
+            <a:spLocks noGrp="1"/>
+          </p:cNvSpPr>
+          <p:nvPr>
+            <p:ph type="title"/>
+          </p:nvPr>
+        </p:nvSpPr>
+        <p:spPr/>
+        <p:txBody>
+          <a:bodyPr/>
+          <a:lstStyle/>
+          <a:p>
+            <a:r>
+              <a:t>Key Concepts Example</a:t>
+            </a:r>
+          </a:p>
+        </p:txBody>
+      </p:sp>
+      <p:sp>
+        <p:nvSpPr>
+          <p:cNvPr id="3" name="Content Placeholder 2"/>
+          <p:cNvSpPr>
+            <a:spLocks noGrp="1"/>
+          </p:cNvSpPr>
+          <p:nvPr>
+            <p:ph idx="1"/>
+          </p:nvPr>
+        </p:nvSpPr>
+        <p:spPr/>
+        <p:txBody>
+          <a:bodyPr/>
+          <a:lstStyle/>
+          <a:p>
+            <a:endParaRPr dirty="0"/>
+          </a:p>
+        </p:txBody>
+      </p:sp>
+      <p:sp>
+        <p:nvSpPr>
+          <p:cNvPr id="4" name="TextBox 3"/>
+          <p:cNvSpPr txBox="1"/>
+          <p:nvPr/>
+        </p:nvSpPr>
+        <p:spPr>
+          <a:xfrm>
+            <a:off x="457200" y="1371600"/>
+            <a:ext cx="3072444" cy="4339650"/>
+          </a:xfrm>
+          <a:prstGeom prst="rect">
+            <a:avLst/>
+          </a:prstGeom>
+          <a:noFill/>
+        </p:spPr>
+        <p:txBody>
+          <a:bodyPr wrap="none">
+            <a:spAutoFit/>
+          </a:bodyPr>
+          <a:lstStyle/>
+          <a:p>
+            <a:endParaRPr sz="1200" dirty="0"/>
+          </a:p>
+          <a:p>
+            <a:pPr>
+              <a:defRPr sz="2160"/>
+            </a:pPr>
+            <a:r>
+              <a:rPr sz="1200" dirty="0"/>
+              <a:t># key-</a:t>
+            </a:r>
+            <a:r>
+              <a:rPr sz="1200" dirty="0" err="1"/>
+              <a:t>concepts.yml</a:t>
+            </a:r>
+            <a:r>
+              <a:rPr sz="1200" dirty="0"/>
+              <a:t/>
+            </a:r>
+            <a:br>
+              <a:rPr sz="1200" dirty="0"/>
+            </a:br>
+            <a:r>
+              <a:rPr sz="1200" dirty="0"/>
+              <a:t>name: Key Concepts Example</a:t>
+            </a:r>
+            <a:br>
+              <a:rPr sz="1200" dirty="0"/>
+            </a:br>
+            <a:r>
+              <a:rPr sz="1200" dirty="0"/>
+              <a:t/>
+            </a:r>
+            <a:br>
+              <a:rPr sz="1200" dirty="0"/>
+            </a:br>
+            <a:r>
+              <a:rPr sz="1200" dirty="0"/>
+              <a:t>on:</a:t>
+            </a:r>
+            <a:br>
+              <a:rPr sz="1200" dirty="0"/>
+            </a:br>
+            <a:r>
+              <a:rPr sz="1200" dirty="0"/>
+              <a:t>  </a:t>
+            </a:r>
+            <a:r>
+              <a:rPr sz="1200" dirty="0" err="1"/>
+              <a:t>pull_request</a:t>
+            </a:r>
+            <a:r>
+              <a:rPr sz="1200" dirty="0"/>
+              <a:t>:</a:t>
+            </a:r>
+            <a:br>
+              <a:rPr sz="1200" dirty="0"/>
+            </a:br>
+            <a:r>
+              <a:rPr sz="1200" dirty="0"/>
+              <a:t>    branches:</a:t>
+            </a:r>
+            <a:br>
+              <a:rPr sz="1200" dirty="0"/>
+            </a:br>
+            <a:r>
+              <a:rPr sz="1200" dirty="0"/>
+              <a:t>      - main</a:t>
+            </a:r>
+            <a:br>
+              <a:rPr sz="1200" dirty="0"/>
+            </a:br>
+            <a:r>
+              <a:rPr sz="1200" dirty="0"/>
+              <a:t/>
+            </a:r>
+            <a:br>
+              <a:rPr sz="1200" dirty="0"/>
+            </a:br>
+            <a:r>
+              <a:rPr sz="1200" dirty="0"/>
+              <a:t>jobs:</a:t>
+            </a:r>
+            <a:br>
+              <a:rPr sz="1200" dirty="0"/>
+            </a:br>
+            <a:r>
+              <a:rPr sz="1200" dirty="0"/>
+              <a:t>  </a:t>
+            </a:r>
+            <a:r>
+              <a:rPr sz="1200" dirty="0" err="1"/>
+              <a:t>example_job</a:t>
+            </a:r>
+            <a:r>
+              <a:rPr sz="1200" dirty="0"/>
+              <a:t>:</a:t>
+            </a:r>
+            <a:br>
+              <a:rPr sz="1200" dirty="0"/>
+            </a:br>
+            <a:r>
+              <a:rPr sz="1200" dirty="0"/>
+              <a:t>    runs-on: </a:t>
+            </a:r>
+            <a:r>
+              <a:rPr sz="1200" dirty="0" err="1"/>
+              <a:t>ubuntu</a:t>
+            </a:r>
+            <a:r>
+              <a:rPr sz="1200" dirty="0"/>
+              <a:t>-latest</a:t>
+            </a:r>
+            <a:br>
+              <a:rPr sz="1200" dirty="0"/>
+            </a:br>
+            <a:r>
+              <a:rPr sz="1200" dirty="0"/>
+              <a:t>    steps:</a:t>
+            </a:r>
+            <a:br>
+              <a:rPr sz="1200" dirty="0"/>
+            </a:br>
+            <a:r>
+              <a:rPr sz="1200" dirty="0"/>
+              <a:t>      - name: Checkout code</a:t>
+            </a:r>
+            <a:br>
+              <a:rPr sz="1200" dirty="0"/>
+            </a:br>
+            <a:r>
+              <a:rPr sz="1200" dirty="0"/>
+              <a:t>        uses: actions/checkout@v3</a:t>
+            </a:r>
+            <a:br>
+              <a:rPr sz="1200" dirty="0"/>
+            </a:br>
+            <a:r>
+              <a:rPr sz="1200" dirty="0"/>
+              <a:t>      - name: Setup Node.js</a:t>
+            </a:r>
+            <a:br>
+              <a:rPr sz="1200" dirty="0"/>
+            </a:br>
+            <a:r>
+              <a:rPr sz="1200" dirty="0"/>
+              <a:t>        uses: actions/setup-node@v3</a:t>
+            </a:r>
+            <a:br>
+              <a:rPr sz="1200" dirty="0"/>
+            </a:br>
+            <a:r>
+              <a:rPr sz="1200" dirty="0"/>
+              <a:t>        with:</a:t>
+            </a:r>
+            <a:br>
+              <a:rPr sz="1200" dirty="0"/>
+            </a:br>
+            <a:r>
+              <a:rPr sz="1200" dirty="0"/>
+              <a:t>          node-version: '16'</a:t>
+            </a:r>
+            <a:br>
+              <a:rPr sz="1200" dirty="0"/>
+            </a:br>
+            <a:r>
+              <a:rPr sz="1200" dirty="0"/>
+              <a:t>      - name: Run script</a:t>
+            </a:r>
+            <a:br>
+              <a:rPr sz="1200" dirty="0"/>
+            </a:br>
+            <a:r>
+              <a:rPr sz="1200" dirty="0"/>
+              <a:t>        run: |</a:t>
+            </a:r>
+            <a:br>
+              <a:rPr sz="1200" dirty="0"/>
+            </a:br>
+            <a:r>
+              <a:rPr sz="1200" dirty="0"/>
+              <a:t>          echo "This is a job step in the workflow."</a:t>
+            </a:r>
+            <a:br>
+              <a:rPr sz="1200" dirty="0"/>
+            </a:br>
+            <a:r>
+              <a:rPr sz="1200" dirty="0"/>
+              <a:t>          node -v</a:t>
+            </a:r>
+          </a:p>
+        </p:txBody>
+      </p:sp>
+    </p:spTree>
+  </p:cSld>
+  <p:clrMapOvr>
+    <a:masterClrMapping/>
+  </p:clrMapOvr>
+</p:sld>
+</file>
+
+<file path=ppt/slides/slide3.xml><?xml version="1.0" encoding="utf-8"?>
+<p:sld xmlns:a="http://schemas.openxmlformats.org/drawingml/2006/main" xmlns:r="http://schemas.openxmlformats.org/officeDocument/2006/relationships" xmlns:p="http://schemas.openxmlformats.org/presentationml/2006/main">
+  <p:cSld>
+    <p:spTree>
+      <p:nvGrpSpPr>
+        <p:cNvPr id="1" name=""/>
+        <p:cNvGrpSpPr/>
+        <p:nvPr/>
+      </p:nvGrpSpPr>
+      <p:grpSpPr>
+        <a:xfrm>
+          <a:off x="0" y="0"/>
+          <a:ext cx="0" cy="0"/>
+          <a:chOff x="0" y="0"/>
+          <a:chExt cx="0" cy="0"/>
+        </a:xfrm>
+      </p:grpSpPr>
+      <p:sp>
+        <p:nvSpPr>
+          <p:cNvPr id="2" name="Title 1"/>
+          <p:cNvSpPr>
+            <a:spLocks noGrp="1"/>
+          </p:cNvSpPr>
+          <p:nvPr>
+            <p:ph type="title"/>
+          </p:nvPr>
+        </p:nvSpPr>
+        <p:spPr/>
+        <p:txBody>
+          <a:bodyPr/>
+          <a:lstStyle/>
+          <a:p>
+            <a:r>
+              <a:t>CI Pipeline Example</a:t>
+            </a:r>
+          </a:p>
+        </p:txBody>
+      </p:sp>
+      <p:sp>
+        <p:nvSpPr>
+          <p:cNvPr id="3" name="Content Placeholder 2"/>
+          <p:cNvSpPr>
+            <a:spLocks noGrp="1"/>
+          </p:cNvSpPr>
+          <p:nvPr>
+            <p:ph idx="1"/>
+          </p:nvPr>
+        </p:nvSpPr>
+        <p:spPr>
+          <a:xfrm>
+            <a:off x="457200" y="1122218"/>
+            <a:ext cx="8229600" cy="5003945"/>
+          </a:xfrm>
+        </p:spPr>
+        <p:txBody>
+          <a:bodyPr/>
+          <a:lstStyle/>
+          <a:p>
+            <a:endParaRPr dirty="0"/>
+          </a:p>
+        </p:txBody>
+      </p:sp>
+      <p:sp>
+        <p:nvSpPr>
+          <p:cNvPr id="4" name="TextBox 3"/>
+          <p:cNvSpPr txBox="1"/>
+          <p:nvPr/>
+        </p:nvSpPr>
+        <p:spPr>
+          <a:xfrm>
+            <a:off x="457200" y="1371600"/>
+            <a:ext cx="2143536" cy="4824398"/>
+          </a:xfrm>
+          <a:prstGeom prst="rect">
+            <a:avLst/>
+          </a:prstGeom>
+          <a:noFill/>
+        </p:spPr>
+        <p:txBody>
+          <a:bodyPr wrap="none">
+            <a:spAutoFit/>
+          </a:bodyPr>
+          <a:lstStyle/>
+          <a:p>
+            <a:endParaRPr sz="1050" dirty="0"/>
+          </a:p>
+          <a:p>
+            <a:pPr>
+              <a:defRPr sz="2160"/>
+            </a:pPr>
+            <a:r>
+              <a:rPr sz="1100" dirty="0"/>
+              <a:t># ci-</a:t>
+            </a:r>
+            <a:r>
+              <a:rPr sz="1100" dirty="0" err="1"/>
+              <a:t>workflow.yml</a:t>
+            </a:r>
+            <a:r>
+              <a:rPr sz="1100" dirty="0"/>
+              <a:t/>
+            </a:r>
+            <a:br>
+              <a:rPr sz="1100" dirty="0"/>
+            </a:br>
+            <a:r>
+              <a:rPr sz="1100" dirty="0"/>
+              <a:t>name: CI Pipeline</a:t>
+            </a:r>
+            <a:br>
+              <a:rPr sz="1100" dirty="0"/>
+            </a:br>
+            <a:r>
+              <a:rPr sz="1100" dirty="0"/>
+              <a:t/>
+            </a:r>
+            <a:br>
+              <a:rPr sz="1100" dirty="0"/>
+            </a:br>
+            <a:r>
+              <a:rPr sz="1100" dirty="0"/>
+              <a:t>on:</a:t>
+            </a:r>
+            <a:br>
+              <a:rPr sz="1100" dirty="0"/>
+            </a:br>
+            <a:r>
+              <a:rPr sz="1100" dirty="0"/>
+              <a:t>  push:</a:t>
+            </a:r>
+            <a:br>
+              <a:rPr sz="1100" dirty="0"/>
+            </a:br>
+            <a:r>
+              <a:rPr sz="1100" dirty="0"/>
+              <a:t>    branches:</a:t>
+            </a:r>
+            <a:br>
+              <a:rPr sz="1100" dirty="0"/>
+            </a:br>
+            <a:r>
+              <a:rPr sz="1100" dirty="0"/>
+              <a:t>      - main</a:t>
+            </a:r>
+            <a:br>
+              <a:rPr sz="1100" dirty="0"/>
+            </a:br>
+            <a:r>
+              <a:rPr sz="1100" dirty="0"/>
+              <a:t>  </a:t>
+            </a:r>
+            <a:r>
+              <a:rPr sz="1100" dirty="0" err="1"/>
+              <a:t>pull_request</a:t>
+            </a:r>
+            <a:r>
+              <a:rPr sz="1100" dirty="0"/>
+              <a:t>:</a:t>
+            </a:r>
+            <a:br>
+              <a:rPr sz="1100" dirty="0"/>
+            </a:br>
+            <a:r>
+              <a:rPr sz="1100" dirty="0"/>
+              <a:t>    branches:</a:t>
+            </a:r>
+            <a:br>
+              <a:rPr sz="1100" dirty="0"/>
+            </a:br>
+            <a:r>
+              <a:rPr sz="1100" dirty="0"/>
+              <a:t>      - main</a:t>
+            </a:r>
+            <a:br>
+              <a:rPr sz="1100" dirty="0"/>
+            </a:br>
+            <a:r>
+              <a:rPr sz="1100" dirty="0"/>
+              <a:t/>
+            </a:r>
+            <a:br>
+              <a:rPr sz="1100" dirty="0"/>
+            </a:br>
+            <a:r>
+              <a:rPr sz="1100" dirty="0"/>
+              <a:t>jobs:</a:t>
+            </a:r>
+            <a:br>
+              <a:rPr sz="1100" dirty="0"/>
+            </a:br>
+            <a:r>
+              <a:rPr sz="1100" dirty="0"/>
+              <a:t>  build:</a:t>
+            </a:r>
+            <a:br>
+              <a:rPr sz="1100" dirty="0"/>
+            </a:br>
+            <a:r>
+              <a:rPr sz="1100" dirty="0"/>
+              <a:t>    runs-on: </a:t>
+            </a:r>
+            <a:r>
+              <a:rPr sz="1100" dirty="0" err="1"/>
+              <a:t>ubuntu</a:t>
+            </a:r>
+            <a:r>
+              <a:rPr sz="1100" dirty="0"/>
+              <a:t>-latest</a:t>
+            </a:r>
+            <a:br>
+              <a:rPr sz="1100" dirty="0"/>
+            </a:br>
+            <a:r>
+              <a:rPr sz="1100" dirty="0"/>
+              <a:t>    steps:</a:t>
+            </a:r>
+            <a:br>
+              <a:rPr sz="1100" dirty="0"/>
+            </a:br>
+            <a:r>
+              <a:rPr sz="1100" dirty="0"/>
+              <a:t>      - name: Checkout code</a:t>
+            </a:r>
+            <a:br>
+              <a:rPr sz="1100" dirty="0"/>
+            </a:br>
+            <a:r>
+              <a:rPr sz="1100" dirty="0"/>
+              <a:t>        uses: actions/checkout@v3</a:t>
+            </a:r>
+            <a:br>
+              <a:rPr sz="1100" dirty="0"/>
+            </a:br>
+            <a:r>
+              <a:rPr sz="1100" dirty="0"/>
+              <a:t>      - name: Set up Node.js</a:t>
+            </a:r>
+            <a:br>
+              <a:rPr sz="1100" dirty="0"/>
+            </a:br>
+            <a:r>
+              <a:rPr sz="1100" dirty="0"/>
+              <a:t>        uses: actions/setup-node@v3</a:t>
+            </a:r>
+            <a:br>
+              <a:rPr sz="1100" dirty="0"/>
+            </a:br>
+            <a:r>
+              <a:rPr sz="1100" dirty="0"/>
+              <a:t>        with:</a:t>
+            </a:r>
+            <a:br>
+              <a:rPr sz="1100" dirty="0"/>
+            </a:br>
+            <a:r>
+              <a:rPr sz="1100" dirty="0"/>
+              <a:t>          node-version: '16'</a:t>
+            </a:r>
+            <a:br>
+              <a:rPr sz="1100" dirty="0"/>
+            </a:br>
+            <a:r>
+              <a:rPr sz="1100" dirty="0"/>
+              <a:t>      - name: Install dependencies</a:t>
+            </a:r>
+            <a:br>
+              <a:rPr sz="1100" dirty="0"/>
+            </a:br>
+            <a:r>
+              <a:rPr sz="1100" dirty="0"/>
+              <a:t>        run: </a:t>
+            </a:r>
+            <a:r>
+              <a:rPr sz="1100" dirty="0" err="1"/>
+              <a:t>npm</a:t>
+            </a:r>
+            <a:r>
+              <a:rPr sz="1100" dirty="0"/>
+              <a:t> install</a:t>
+            </a:r>
+            <a:br>
+              <a:rPr sz="1100" dirty="0"/>
+            </a:br>
+            <a:r>
+              <a:rPr sz="1100" dirty="0"/>
+              <a:t>      - name: Run tests</a:t>
+            </a:r>
+            <a:br>
+              <a:rPr sz="1100" dirty="0"/>
+            </a:br>
+            <a:r>
+              <a:rPr sz="1100" dirty="0"/>
+              <a:t>        run: </a:t>
+            </a:r>
+            <a:r>
+              <a:rPr sz="1100" dirty="0" err="1"/>
+              <a:t>npm</a:t>
+            </a:r>
+            <a:r>
+              <a:rPr sz="1100" dirty="0"/>
+              <a:t> test</a:t>
+            </a:r>
+            <a:br>
+              <a:rPr sz="1100" dirty="0"/>
+            </a:br>
+            <a:r>
+              <a:rPr sz="1100" dirty="0"/>
+              <a:t>      - name: Build project</a:t>
+            </a:r>
+            <a:br>
+              <a:rPr sz="1100" dirty="0"/>
+            </a:br>
+            <a:r>
+              <a:rPr sz="1100" dirty="0"/>
+              <a:t>        run: </a:t>
+            </a:r>
+            <a:r>
+              <a:rPr sz="1100" dirty="0" err="1"/>
+              <a:t>npm</a:t>
+            </a:r>
+            <a:r>
+              <a:rPr sz="1100" dirty="0"/>
+              <a:t> run build</a:t>
+            </a:r>
+          </a:p>
+        </p:txBody>
+      </p:sp>
+    </p:spTree>
+  </p:cSld>
+  <p:clrMapOvr>
+    <a:masterClrMapping/>
+  </p:clrMapOvr>
+</p:sld>
+</file>
+
+<file path=ppt/slides/slide4.xml><?xml version="1.0" encoding="utf-8"?>
+<p:sld xmlns:a="http://schemas.openxmlformats.org/drawingml/2006/main" xmlns:r="http://schemas.openxmlformats.org/officeDocument/2006/relationships" xmlns:p="http://schemas.openxmlformats.org/presentationml/2006/main">
+  <p:cSld>
+    <p:spTree>
+      <p:nvGrpSpPr>
+        <p:cNvPr id="1" name=""/>
+        <p:cNvGrpSpPr/>
+        <p:nvPr/>
+      </p:nvGrpSpPr>
+      <p:grpSpPr>
+        <a:xfrm>
+          <a:off x="0" y="0"/>
+          <a:ext cx="0" cy="0"/>
+          <a:chOff x="0" y="0"/>
+          <a:chExt cx="0" cy="0"/>
+        </a:xfrm>
+      </p:grpSpPr>
+      <p:sp>
+        <p:nvSpPr>
+          <p:cNvPr id="2" name="Title 1"/>
+          <p:cNvSpPr>
+            <a:spLocks noGrp="1"/>
+          </p:cNvSpPr>
+          <p:nvPr>
+            <p:ph type="title"/>
+          </p:nvPr>
+        </p:nvSpPr>
+        <p:spPr/>
+        <p:txBody>
+          <a:bodyPr/>
+          <a:lstStyle/>
+          <a:p>
+            <a:r>
+              <a:t>Terraform Deployment Example</a:t>
+            </a:r>
+          </a:p>
+        </p:txBody>
+      </p:sp>
+      <p:sp>
+        <p:nvSpPr>
+          <p:cNvPr id="3" name="Content Placeholder 2"/>
+          <p:cNvSpPr>
+            <a:spLocks noGrp="1"/>
+          </p:cNvSpPr>
+          <p:nvPr>
+            <p:ph idx="1"/>
+          </p:nvPr>
+        </p:nvSpPr>
+        <p:spPr/>
+        <p:txBody>
+          <a:bodyPr/>
+          <a:lstStyle/>
+          <a:p>
+            <a:endParaRPr/>
+          </a:p>
         </p:txBody>
       </p:sp>
       <p:sp>
@@ -3153,67 +4021,304 @@
             <a:spAutoFit/>
           </a:bodyPr>
           <a:lstStyle/>
-          <a:p/>
+          <a:p>
+            <a:endParaRPr dirty="0"/>
+          </a:p>
           <a:p>
             <a:pPr>
               <a:defRPr sz="2160"/>
             </a:pPr>
             <a:r>
-              <a:t># basic-workflow.yml</a:t>
-            </a:r>
-            <a:br/>
-            <a:r>
-              <a:t>name: Basic Workflow Example</a:t>
-            </a:r>
-            <a:br/>
-            <a:br/>
-            <a:r>
+              <a:rPr dirty="0"/>
+              <a:t># </a:t>
+            </a:r>
+            <a:r>
+              <a:rPr dirty="0" err="1"/>
+              <a:t>terraform-deployment.yml</a:t>
+            </a:r>
+            <a:r>
+              <a:rPr dirty="0"/>
+              <a:t/>
+            </a:r>
+            <a:br>
+              <a:rPr dirty="0"/>
+            </a:br>
+            <a:r>
+              <a:rPr dirty="0"/>
+              <a:t>name: </a:t>
+            </a:r>
+            <a:r>
+              <a:rPr dirty="0" err="1"/>
+              <a:t>Terraform</a:t>
+            </a:r>
+            <a:r>
+              <a:rPr dirty="0"/>
+              <a:t> Deployment</a:t>
+            </a:r>
+            <a:br>
+              <a:rPr dirty="0"/>
+            </a:br>
+            <a:r>
+              <a:rPr dirty="0"/>
+              <a:t/>
+            </a:r>
+            <a:br>
+              <a:rPr dirty="0"/>
+            </a:br>
+            <a:r>
+              <a:rPr dirty="0"/>
               <a:t>on:</a:t>
             </a:r>
-            <a:br/>
-            <a:r>
+            <a:br>
+              <a:rPr dirty="0"/>
+            </a:br>
+            <a:r>
+              <a:rPr dirty="0"/>
               <a:t>  push:</a:t>
             </a:r>
-            <a:br/>
-            <a:r>
+            <a:br>
+              <a:rPr dirty="0"/>
+            </a:br>
+            <a:r>
+              <a:rPr dirty="0"/>
               <a:t>    branches:</a:t>
             </a:r>
-            <a:br/>
-            <a:r>
+            <a:br>
+              <a:rPr dirty="0"/>
+            </a:br>
+            <a:r>
+              <a:rPr dirty="0"/>
               <a:t>      - main</a:t>
             </a:r>
-            <a:br/>
-            <a:br/>
-            <a:r>
+            <a:br>
+              <a:rPr dirty="0"/>
+            </a:br>
+            <a:r>
+              <a:rPr dirty="0"/>
+              <a:t/>
+            </a:r>
+            <a:br>
+              <a:rPr dirty="0"/>
+            </a:br>
+            <a:r>
+              <a:rPr dirty="0"/>
               <a:t>jobs:</a:t>
             </a:r>
-            <a:br/>
-            <a:r>
-              <a:t>  example:</a:t>
-            </a:r>
-            <a:br/>
-            <a:r>
-              <a:t>    runs-on: ubuntu-latest</a:t>
-            </a:r>
-            <a:br/>
-            <a:r>
+            <a:br>
+              <a:rPr dirty="0"/>
+            </a:br>
+            <a:r>
+              <a:rPr dirty="0"/>
+              <a:t>  </a:t>
+            </a:r>
+            <a:r>
+              <a:rPr dirty="0" err="1"/>
+              <a:t>terraform</a:t>
+            </a:r>
+            <a:r>
+              <a:rPr dirty="0"/>
+              <a:t>:</a:t>
+            </a:r>
+            <a:br>
+              <a:rPr dirty="0"/>
+            </a:br>
+            <a:r>
+              <a:rPr dirty="0"/>
+              <a:t>    runs-on: </a:t>
+            </a:r>
+            <a:r>
+              <a:rPr dirty="0" err="1"/>
+              <a:t>ubuntu</a:t>
+            </a:r>
+            <a:r>
+              <a:rPr dirty="0"/>
+              <a:t>-latest</a:t>
+            </a:r>
+            <a:br>
+              <a:rPr dirty="0"/>
+            </a:br>
+            <a:r>
+              <a:rPr dirty="0"/>
               <a:t>    steps:</a:t>
             </a:r>
-            <a:br/>
-            <a:r>
+            <a:br>
+              <a:rPr dirty="0"/>
+            </a:br>
+            <a:r>
+              <a:rPr dirty="0"/>
               <a:t>      - name: Checkout code</a:t>
             </a:r>
-            <a:br/>
-            <a:r>
+            <a:br>
+              <a:rPr dirty="0"/>
+            </a:br>
+            <a:r>
+              <a:rPr dirty="0"/>
               <a:t>        uses: actions/checkout@v3</a:t>
             </a:r>
-            <a:br/>
-            <a:r>
-              <a:t>      - name: Print Hello</a:t>
-            </a:r>
-            <a:br/>
-            <a:r>
-              <a:t>        run: echo "Hello, GitHub Actions!"</a:t>
+            <a:br>
+              <a:rPr dirty="0"/>
+            </a:br>
+            <a:r>
+              <a:rPr dirty="0"/>
+              <a:t>      - name: Set up </a:t>
+            </a:r>
+            <a:r>
+              <a:rPr dirty="0" err="1"/>
+              <a:t>Terraform</a:t>
+            </a:r>
+            <a:r>
+              <a:rPr dirty="0"/>
+              <a:t/>
+            </a:r>
+            <a:br>
+              <a:rPr dirty="0"/>
+            </a:br>
+            <a:r>
+              <a:rPr dirty="0"/>
+              <a:t>        uses: </a:t>
+            </a:r>
+            <a:r>
+              <a:rPr dirty="0" err="1"/>
+              <a:t>hashicorp</a:t>
+            </a:r>
+            <a:r>
+              <a:rPr dirty="0"/>
+              <a:t>/setup-terraform@v2</a:t>
+            </a:r>
+            <a:br>
+              <a:rPr dirty="0"/>
+            </a:br>
+            <a:r>
+              <a:rPr dirty="0"/>
+              <a:t>        with:</a:t>
+            </a:r>
+            <a:br>
+              <a:rPr dirty="0"/>
+            </a:br>
+            <a:r>
+              <a:rPr dirty="0"/>
+              <a:t>          </a:t>
+            </a:r>
+            <a:r>
+              <a:rPr dirty="0" err="1"/>
+              <a:t>terraform_version</a:t>
+            </a:r>
+            <a:r>
+              <a:rPr dirty="0"/>
+              <a:t>: 1.9.0</a:t>
+            </a:r>
+            <a:br>
+              <a:rPr dirty="0"/>
+            </a:br>
+            <a:r>
+              <a:rPr dirty="0"/>
+              <a:t>      - name: Initialize </a:t>
+            </a:r>
+            <a:r>
+              <a:rPr dirty="0" err="1"/>
+              <a:t>Terraform</a:t>
+            </a:r>
+            <a:r>
+              <a:rPr dirty="0"/>
+              <a:t/>
+            </a:r>
+            <a:br>
+              <a:rPr dirty="0"/>
+            </a:br>
+            <a:r>
+              <a:rPr dirty="0"/>
+              <a:t>        run: </a:t>
+            </a:r>
+            <a:r>
+              <a:rPr dirty="0" err="1"/>
+              <a:t>terraform</a:t>
+            </a:r>
+            <a:r>
+              <a:rPr dirty="0"/>
+              <a:t> </a:t>
+            </a:r>
+            <a:r>
+              <a:rPr dirty="0" err="1"/>
+              <a:t>init</a:t>
+            </a:r>
+            <a:r>
+              <a:rPr dirty="0"/>
+              <a:t/>
+            </a:r>
+            <a:br>
+              <a:rPr dirty="0"/>
+            </a:br>
+            <a:r>
+              <a:rPr dirty="0"/>
+              <a:t>      - name: Plan </a:t>
+            </a:r>
+            <a:r>
+              <a:rPr dirty="0" err="1"/>
+              <a:t>Terraform</a:t>
+            </a:r>
+            <a:r>
+              <a:rPr dirty="0"/>
+              <a:t/>
+            </a:r>
+            <a:br>
+              <a:rPr dirty="0"/>
+            </a:br>
+            <a:r>
+              <a:rPr dirty="0"/>
+              <a:t>        run: </a:t>
+            </a:r>
+            <a:r>
+              <a:rPr dirty="0" err="1"/>
+              <a:t>terraform</a:t>
+            </a:r>
+            <a:r>
+              <a:rPr dirty="0"/>
+              <a:t> plan</a:t>
+            </a:r>
+            <a:br>
+              <a:rPr dirty="0"/>
+            </a:br>
+            <a:r>
+              <a:rPr dirty="0"/>
+              <a:t>      - name: Apply </a:t>
+            </a:r>
+            <a:r>
+              <a:rPr dirty="0" err="1"/>
+              <a:t>Terraform</a:t>
+            </a:r>
+            <a:r>
+              <a:rPr dirty="0"/>
+              <a:t/>
+            </a:r>
+            <a:br>
+              <a:rPr dirty="0"/>
+            </a:br>
+            <a:r>
+              <a:rPr dirty="0"/>
+              <a:t>        if: </a:t>
+            </a:r>
+            <a:r>
+              <a:rPr dirty="0" err="1"/>
+              <a:t>github.ref</a:t>
+            </a:r>
+            <a:r>
+              <a:rPr dirty="0"/>
+              <a:t> == 'refs/heads/main'</a:t>
+            </a:r>
+            <a:br>
+              <a:rPr dirty="0"/>
+            </a:br>
+            <a:r>
+              <a:rPr dirty="0"/>
+              <a:t>        run: </a:t>
+            </a:r>
+            <a:r>
+              <a:rPr dirty="0" err="1"/>
+              <a:t>terraform</a:t>
+            </a:r>
+            <a:r>
+              <a:rPr dirty="0"/>
+              <a:t> apply -auto-approve</a:t>
             </a:r>
           </a:p>
         </p:txBody>
@@ -3226,8 +4331,8 @@
 </p:sld>
 </file>
 
-<file path=ppt/slides/slide2.xml><?xml version="1.0" encoding="utf-8"?>
-<p:sld xmlns:a="http://schemas.openxmlformats.org/drawingml/2006/main" xmlns:p="http://schemas.openxmlformats.org/presentationml/2006/main" xmlns:r="http://schemas.openxmlformats.org/officeDocument/2006/relationships">
+<file path=ppt/slides/slide5.xml><?xml version="1.0" encoding="utf-8"?>
+<p:sld xmlns:a="http://schemas.openxmlformats.org/drawingml/2006/main" xmlns:r="http://schemas.openxmlformats.org/officeDocument/2006/relationships" xmlns:p="http://schemas.openxmlformats.org/presentationml/2006/main">
   <p:cSld>
     <p:spTree>
       <p:nvGrpSpPr>
@@ -3235,7 +4340,14 @@
         <p:cNvGrpSpPr/>
         <p:nvPr/>
       </p:nvGrpSpPr>
-      <p:grpSpPr/>
+      <p:grpSpPr>
+        <a:xfrm>
+          <a:off x="0" y="0"/>
+          <a:ext cx="0" cy="0"/>
+          <a:chOff x="0" y="0"/>
+          <a:chExt cx="0" cy="0"/>
+        </a:xfrm>
+      </p:grpSpPr>
       <p:sp>
         <p:nvSpPr>
           <p:cNvPr id="2" name="Title 1"/>
@@ -3252,7 +4364,7 @@
           <a:lstStyle/>
           <a:p>
             <a:r>
-              <a:t>Key Concepts Example</a:t>
+              <a:t>Matrix Build Example</a:t>
             </a:r>
           </a:p>
         </p:txBody>
@@ -3271,7 +4383,9 @@
         <p:txBody>
           <a:bodyPr/>
           <a:lstStyle/>
-          <a:p/>
+          <a:p>
+            <a:endParaRPr/>
+          </a:p>
         </p:txBody>
       </p:sp>
       <p:sp>
@@ -3295,26 +4409,31 @@
             <a:spAutoFit/>
           </a:bodyPr>
           <a:lstStyle/>
-          <a:p/>
+          <a:p>
+            <a:endParaRPr/>
+          </a:p>
           <a:p>
             <a:pPr>
               <a:defRPr sz="2160"/>
             </a:pPr>
             <a:r>
-              <a:t># key-concepts.yml</a:t>
-            </a:r>
-            <a:br/>
-            <a:r>
-              <a:t>name: Key Concepts Example</a:t>
-            </a:r>
-            <a:br/>
+              <a:t># advanced-features.yml</a:t>
+            </a:r>
+            <a:br/>
+            <a:r>
+              <a:t>name: Matrix Build Example</a:t>
+            </a:r>
+            <a:br/>
+            <a:r>
+              <a:t/>
+            </a:r>
             <a:br/>
             <a:r>
               <a:t>on:</a:t>
             </a:r>
             <a:br/>
             <a:r>
-              <a:t>  pull_request:</a:t>
+              <a:t>  push:</a:t>
             </a:r>
             <a:br/>
             <a:r>
@@ -3325,13 +4444,16 @@
               <a:t>      - main</a:t>
             </a:r>
             <a:br/>
+            <a:r>
+              <a:t/>
+            </a:r>
             <a:br/>
             <a:r>
               <a:t>jobs:</a:t>
             </a:r>
             <a:br/>
             <a:r>
-              <a:t>  example_job:</a:t>
+              <a:t>  build:</a:t>
             </a:r>
             <a:br/>
             <a:r>
@@ -3339,6 +4461,18 @@
             </a:r>
             <a:br/>
             <a:r>
+              <a:t>    strategy:</a:t>
+            </a:r>
+            <a:br/>
+            <a:r>
+              <a:t>      matrix:</a:t>
+            </a:r>
+            <a:br/>
+            <a:r>
+              <a:t>        node-version: [12, 14, 16]</a:t>
+            </a:r>
+            <a:br/>
+            <a:r>
               <a:t>    steps:</a:t>
             </a:r>
             <a:br/>
@@ -3351,7 +4485,7 @@
             </a:r>
             <a:br/>
             <a:r>
-              <a:t>      - name: Setup Node.js</a:t>
+              <a:t>      - name: Set up Node.js</a:t>
             </a:r>
             <a:br/>
             <a:r>
@@ -3363,23 +4497,23 @@
             </a:r>
             <a:br/>
             <a:r>
-              <a:t>          node-version: '16'</a:t>
-            </a:r>
-            <a:br/>
-            <a:r>
-              <a:t>      - name: Run script</a:t>
-            </a:r>
-            <a:br/>
-            <a:r>
-              <a:t>        run: |</a:t>
-            </a:r>
-            <a:br/>
-            <a:r>
-              <a:t>          echo "This is a job step in the workflow."</a:t>
-            </a:r>
-            <a:br/>
-            <a:r>
-              <a:t>          node -v</a:t>
+              <a:t>          node-version: ${{ matrix.node-version }}</a:t>
+            </a:r>
+            <a:br/>
+            <a:r>
+              <a:t>      - name: Install dependencies</a:t>
+            </a:r>
+            <a:br/>
+            <a:r>
+              <a:t>        run: npm install</a:t>
+            </a:r>
+            <a:br/>
+            <a:r>
+              <a:t>      - name: Run tests</a:t>
+            </a:r>
+            <a:br/>
+            <a:r>
+              <a:t>        run: npm test</a:t>
             </a:r>
           </a:p>
         </p:txBody>
@@ -3392,8 +4526,8 @@
 </p:sld>
 </file>
 
-<file path=ppt/slides/slide3.xml><?xml version="1.0" encoding="utf-8"?>
-<p:sld xmlns:a="http://schemas.openxmlformats.org/drawingml/2006/main" xmlns:p="http://schemas.openxmlformats.org/presentationml/2006/main" xmlns:r="http://schemas.openxmlformats.org/officeDocument/2006/relationships">
+<file path=ppt/slides/slide6.xml><?xml version="1.0" encoding="utf-8"?>
+<p:sld xmlns:a="http://schemas.openxmlformats.org/drawingml/2006/main" xmlns:r="http://schemas.openxmlformats.org/officeDocument/2006/relationships" xmlns:p="http://schemas.openxmlformats.org/presentationml/2006/main">
   <p:cSld>
     <p:spTree>
       <p:nvGrpSpPr>
@@ -3401,7 +4535,14 @@
         <p:cNvGrpSpPr/>
         <p:nvPr/>
       </p:nvGrpSpPr>
-      <p:grpSpPr/>
+      <p:grpSpPr>
+        <a:xfrm>
+          <a:off x="0" y="0"/>
+          <a:ext cx="0" cy="0"/>
+          <a:chOff x="0" y="0"/>
+          <a:chExt cx="0" cy="0"/>
+        </a:xfrm>
+      </p:grpSpPr>
       <p:sp>
         <p:nvSpPr>
           <p:cNvPr id="2" name="Title 1"/>
@@ -3418,7 +4559,7 @@
           <a:lstStyle/>
           <a:p>
             <a:r>
-              <a:t>CI Pipeline Example</a:t>
+              <a:t>Secrets Management Example</a:t>
             </a:r>
           </a:p>
         </p:txBody>
@@ -3437,7 +4578,9 @@
         <p:txBody>
           <a:bodyPr/>
           <a:lstStyle/>
-          <a:p/>
+          <a:p>
+            <a:endParaRPr/>
+          </a:p>
         </p:txBody>
       </p:sp>
       <p:sp>
@@ -3461,55 +4604,39 @@
             <a:spAutoFit/>
           </a:bodyPr>
           <a:lstStyle/>
-          <a:p/>
+          <a:p>
+            <a:endParaRPr/>
+          </a:p>
           <a:p>
             <a:pPr>
               <a:defRPr sz="2160"/>
             </a:pPr>
             <a:r>
-              <a:t># ci-workflow.yml</a:t>
-            </a:r>
-            <a:br/>
-            <a:r>
-              <a:t>name: CI Pipeline</a:t>
-            </a:r>
-            <a:br/>
-            <a:br/>
-            <a:r>
-              <a:t>on:</a:t>
-            </a:r>
-            <a:br/>
-            <a:r>
-              <a:t>  push:</a:t>
-            </a:r>
-            <a:br/>
-            <a:r>
-              <a:t>    branches:</a:t>
-            </a:r>
-            <a:br/>
-            <a:r>
-              <a:t>      - main</a:t>
-            </a:r>
-            <a:br/>
-            <a:r>
-              <a:t>  pull_request:</a:t>
-            </a:r>
-            <a:br/>
-            <a:r>
-              <a:t>    branches:</a:t>
-            </a:r>
-            <a:br/>
-            <a:r>
-              <a:t>      - main</a:t>
-            </a:r>
-            <a:br/>
+              <a:t># best-practices.yml</a:t>
+            </a:r>
+            <a:br/>
+            <a:r>
+              <a:t>name: Best Practices for Secrets Management</a:t>
+            </a:r>
+            <a:br/>
+            <a:r>
+              <a:t/>
+            </a:r>
+            <a:br/>
+            <a:r>
+              <a:t>on: [push]</a:t>
+            </a:r>
+            <a:br/>
+            <a:r>
+              <a:t/>
+            </a:r>
             <a:br/>
             <a:r>
               <a:t>jobs:</a:t>
             </a:r>
             <a:br/>
             <a:r>
-              <a:t>  build:</a:t>
+              <a:t>  use-secret:</a:t>
             </a:r>
             <a:br/>
             <a:r>
@@ -3529,43 +4656,11 @@
             </a:r>
             <a:br/>
             <a:r>
-              <a:t>      - name: Set up Node.js</a:t>
-            </a:r>
-            <a:br/>
-            <a:r>
-              <a:t>        uses: actions/setup-node@v3</a:t>
-            </a:r>
-            <a:br/>
-            <a:r>
-              <a:t>        with:</a:t>
-            </a:r>
-            <a:br/>
-            <a:r>
-              <a:t>          node-version: '16'</a:t>
-            </a:r>
-            <a:br/>
-            <a:r>
-              <a:t>      - name: Install dependencies</a:t>
-            </a:r>
-            <a:br/>
-            <a:r>
-              <a:t>        run: npm install</a:t>
-            </a:r>
-            <a:br/>
-            <a:r>
-              <a:t>      - name: Run tests</a:t>
-            </a:r>
-            <a:br/>
-            <a:r>
-              <a:t>        run: npm test</a:t>
-            </a:r>
-            <a:br/>
-            <a:r>
-              <a:t>      - name: Build project</a:t>
-            </a:r>
-            <a:br/>
-            <a:r>
-              <a:t>        run: npm run build</a:t>
+              <a:t>      - name: Access Secret</a:t>
+            </a:r>
+            <a:br/>
+            <a:r>
+              <a:t>        run: echo "The secret is ${{ secrets.SECRET_NAME }}"</a:t>
             </a:r>
           </a:p>
         </p:txBody>
@@ -3578,8 +4673,8 @@
 </p:sld>
 </file>
 
-<file path=ppt/slides/slide4.xml><?xml version="1.0" encoding="utf-8"?>
-<p:sld xmlns:a="http://schemas.openxmlformats.org/drawingml/2006/main" xmlns:p="http://schemas.openxmlformats.org/presentationml/2006/main" xmlns:r="http://schemas.openxmlformats.org/officeDocument/2006/relationships">
+<file path=ppt/slides/slide7.xml><?xml version="1.0" encoding="utf-8"?>
+<p:sld xmlns:a="http://schemas.openxmlformats.org/drawingml/2006/main" xmlns:r="http://schemas.openxmlformats.org/officeDocument/2006/relationships" xmlns:p="http://schemas.openxmlformats.org/presentationml/2006/main">
   <p:cSld>
     <p:spTree>
       <p:nvGrpSpPr>
@@ -3587,7 +4682,14 @@
         <p:cNvGrpSpPr/>
         <p:nvPr/>
       </p:nvGrpSpPr>
-      <p:grpSpPr/>
+      <p:grpSpPr>
+        <a:xfrm>
+          <a:off x="0" y="0"/>
+          <a:ext cx="0" cy="0"/>
+          <a:chOff x="0" y="0"/>
+          <a:chExt cx="0" cy="0"/>
+        </a:xfrm>
+      </p:grpSpPr>
       <p:sp>
         <p:nvSpPr>
           <p:cNvPr id="2" name="Title 1"/>
@@ -3600,11 +4702,13 @@
         </p:nvSpPr>
         <p:spPr/>
         <p:txBody>
-          <a:bodyPr/>
-          <a:lstStyle/>
-          <a:p>
-            <a:r>
-              <a:t>Terraform Deployment Example</a:t>
+          <a:bodyPr>
+            <a:normAutofit fontScale="90000"/>
+          </a:bodyPr>
+          <a:lstStyle/>
+          <a:p>
+            <a:r>
+              <a:t>Multi-Folder Terraform Workflow Example</a:t>
             </a:r>
           </a:p>
         </p:txBody>
@@ -3623,7 +4727,9 @@
         <p:txBody>
           <a:bodyPr/>
           <a:lstStyle/>
-          <a:p/>
+          <a:p>
+            <a:endParaRPr/>
+          </a:p>
         </p:txBody>
       </p:sp>
       <p:sp>
@@ -3647,19 +4753,24 @@
             <a:spAutoFit/>
           </a:bodyPr>
           <a:lstStyle/>
-          <a:p/>
+          <a:p>
+            <a:endParaRPr/>
+          </a:p>
           <a:p>
             <a:pPr>
               <a:defRPr sz="2160"/>
             </a:pPr>
             <a:r>
-              <a:t># terraform-deployment.yml</a:t>
-            </a:r>
-            <a:br/>
-            <a:r>
-              <a:t>name: Terraform Deployment</a:t>
-            </a:r>
-            <a:br/>
+              <a:t># multi-folder-terraform.yml</a:t>
+            </a:r>
+            <a:br/>
+            <a:r>
+              <a:t>name: Multi-Folder Terraform Workflow</a:t>
+            </a:r>
+            <a:br/>
+            <a:r>
+              <a:t/>
+            </a:r>
             <a:br/>
             <a:r>
               <a:t>on:</a:t>
@@ -3670,492 +4781,6 @@
             </a:r>
             <a:br/>
             <a:r>
-              <a:t>    branches:</a:t>
-            </a:r>
-            <a:br/>
-            <a:r>
-              <a:t>      - main</a:t>
-            </a:r>
-            <a:br/>
-            <a:br/>
-            <a:r>
-              <a:t>jobs:</a:t>
-            </a:r>
-            <a:br/>
-            <a:r>
-              <a:t>  terraform:</a:t>
-            </a:r>
-            <a:br/>
-            <a:r>
-              <a:t>    runs-on: ubuntu-latest</a:t>
-            </a:r>
-            <a:br/>
-            <a:r>
-              <a:t>    steps:</a:t>
-            </a:r>
-            <a:br/>
-            <a:r>
-              <a:t>      - name: Checkout code</a:t>
-            </a:r>
-            <a:br/>
-            <a:r>
-              <a:t>        uses: actions/checkout@v3</a:t>
-            </a:r>
-            <a:br/>
-            <a:r>
-              <a:t>      - name: Set up Terraform</a:t>
-            </a:r>
-            <a:br/>
-            <a:r>
-              <a:t>        uses: hashicorp/setup-terraform@v2</a:t>
-            </a:r>
-            <a:br/>
-            <a:r>
-              <a:t>        with:</a:t>
-            </a:r>
-            <a:br/>
-            <a:r>
-              <a:t>          terraform_version: 1.9.0</a:t>
-            </a:r>
-            <a:br/>
-            <a:r>
-              <a:t>      - name: Initialize Terraform</a:t>
-            </a:r>
-            <a:br/>
-            <a:r>
-              <a:t>        run: terraform init</a:t>
-            </a:r>
-            <a:br/>
-            <a:r>
-              <a:t>      - name: Plan Terraform</a:t>
-            </a:r>
-            <a:br/>
-            <a:r>
-              <a:t>        run: terraform plan</a:t>
-            </a:r>
-            <a:br/>
-            <a:r>
-              <a:t>      - name: Apply Terraform</a:t>
-            </a:r>
-            <a:br/>
-            <a:r>
-              <a:t>        if: github.ref == 'refs/heads/main'</a:t>
-            </a:r>
-            <a:br/>
-            <a:r>
-              <a:t>        run: terraform apply -auto-approve</a:t>
-            </a:r>
-          </a:p>
-        </p:txBody>
-      </p:sp>
-    </p:spTree>
-  </p:cSld>
-  <p:clrMapOvr>
-    <a:masterClrMapping/>
-  </p:clrMapOvr>
-</p:sld>
-</file>
-
-<file path=ppt/slides/slide5.xml><?xml version="1.0" encoding="utf-8"?>
-<p:sld xmlns:a="http://schemas.openxmlformats.org/drawingml/2006/main" xmlns:p="http://schemas.openxmlformats.org/presentationml/2006/main" xmlns:r="http://schemas.openxmlformats.org/officeDocument/2006/relationships">
-  <p:cSld>
-    <p:spTree>
-      <p:nvGrpSpPr>
-        <p:cNvPr id="1" name=""/>
-        <p:cNvGrpSpPr/>
-        <p:nvPr/>
-      </p:nvGrpSpPr>
-      <p:grpSpPr/>
-      <p:sp>
-        <p:nvSpPr>
-          <p:cNvPr id="2" name="Title 1"/>
-          <p:cNvSpPr>
-            <a:spLocks noGrp="1"/>
-          </p:cNvSpPr>
-          <p:nvPr>
-            <p:ph type="title"/>
-          </p:nvPr>
-        </p:nvSpPr>
-        <p:spPr/>
-        <p:txBody>
-          <a:bodyPr/>
-          <a:lstStyle/>
-          <a:p>
-            <a:r>
-              <a:t>Matrix Build Example</a:t>
-            </a:r>
-          </a:p>
-        </p:txBody>
-      </p:sp>
-      <p:sp>
-        <p:nvSpPr>
-          <p:cNvPr id="3" name="Content Placeholder 2"/>
-          <p:cNvSpPr>
-            <a:spLocks noGrp="1"/>
-          </p:cNvSpPr>
-          <p:nvPr>
-            <p:ph idx="1"/>
-          </p:nvPr>
-        </p:nvSpPr>
-        <p:spPr/>
-        <p:txBody>
-          <a:bodyPr/>
-          <a:lstStyle/>
-          <a:p/>
-        </p:txBody>
-      </p:sp>
-      <p:sp>
-        <p:nvSpPr>
-          <p:cNvPr id="4" name="TextBox 3"/>
-          <p:cNvSpPr txBox="1"/>
-          <p:nvPr/>
-        </p:nvSpPr>
-        <p:spPr>
-          <a:xfrm>
-            <a:off x="457200" y="1371600"/>
-            <a:ext cx="8229600" cy="4572000"/>
-          </a:xfrm>
-          <a:prstGeom prst="rect">
-            <a:avLst/>
-          </a:prstGeom>
-          <a:noFill/>
-        </p:spPr>
-        <p:txBody>
-          <a:bodyPr wrap="none">
-            <a:spAutoFit/>
-          </a:bodyPr>
-          <a:lstStyle/>
-          <a:p/>
-          <a:p>
-            <a:pPr>
-              <a:defRPr sz="2160"/>
-            </a:pPr>
-            <a:r>
-              <a:t># advanced-features.yml</a:t>
-            </a:r>
-            <a:br/>
-            <a:r>
-              <a:t>name: Matrix Build Example</a:t>
-            </a:r>
-            <a:br/>
-            <a:br/>
-            <a:r>
-              <a:t>on:</a:t>
-            </a:r>
-            <a:br/>
-            <a:r>
-              <a:t>  push:</a:t>
-            </a:r>
-            <a:br/>
-            <a:r>
-              <a:t>    branches:</a:t>
-            </a:r>
-            <a:br/>
-            <a:r>
-              <a:t>      - main</a:t>
-            </a:r>
-            <a:br/>
-            <a:br/>
-            <a:r>
-              <a:t>jobs:</a:t>
-            </a:r>
-            <a:br/>
-            <a:r>
-              <a:t>  build:</a:t>
-            </a:r>
-            <a:br/>
-            <a:r>
-              <a:t>    runs-on: ubuntu-latest</a:t>
-            </a:r>
-            <a:br/>
-            <a:r>
-              <a:t>    strategy:</a:t>
-            </a:r>
-            <a:br/>
-            <a:r>
-              <a:t>      matrix:</a:t>
-            </a:r>
-            <a:br/>
-            <a:r>
-              <a:t>        node-version: [12, 14, 16]</a:t>
-            </a:r>
-            <a:br/>
-            <a:r>
-              <a:t>    steps:</a:t>
-            </a:r>
-            <a:br/>
-            <a:r>
-              <a:t>      - name: Checkout code</a:t>
-            </a:r>
-            <a:br/>
-            <a:r>
-              <a:t>        uses: actions/checkout@v3</a:t>
-            </a:r>
-            <a:br/>
-            <a:r>
-              <a:t>      - name: Set up Node.js</a:t>
-            </a:r>
-            <a:br/>
-            <a:r>
-              <a:t>        uses: actions/setup-node@v3</a:t>
-            </a:r>
-            <a:br/>
-            <a:r>
-              <a:t>        with:</a:t>
-            </a:r>
-            <a:br/>
-            <a:r>
-              <a:t>          node-version: ${{ matrix.node-version }}</a:t>
-            </a:r>
-            <a:br/>
-            <a:r>
-              <a:t>      - name: Install dependencies</a:t>
-            </a:r>
-            <a:br/>
-            <a:r>
-              <a:t>        run: npm install</a:t>
-            </a:r>
-            <a:br/>
-            <a:r>
-              <a:t>      - name: Run tests</a:t>
-            </a:r>
-            <a:br/>
-            <a:r>
-              <a:t>        run: npm test</a:t>
-            </a:r>
-          </a:p>
-        </p:txBody>
-      </p:sp>
-    </p:spTree>
-  </p:cSld>
-  <p:clrMapOvr>
-    <a:masterClrMapping/>
-  </p:clrMapOvr>
-</p:sld>
-</file>
-
-<file path=ppt/slides/slide6.xml><?xml version="1.0" encoding="utf-8"?>
-<p:sld xmlns:a="http://schemas.openxmlformats.org/drawingml/2006/main" xmlns:p="http://schemas.openxmlformats.org/presentationml/2006/main" xmlns:r="http://schemas.openxmlformats.org/officeDocument/2006/relationships">
-  <p:cSld>
-    <p:spTree>
-      <p:nvGrpSpPr>
-        <p:cNvPr id="1" name=""/>
-        <p:cNvGrpSpPr/>
-        <p:nvPr/>
-      </p:nvGrpSpPr>
-      <p:grpSpPr/>
-      <p:sp>
-        <p:nvSpPr>
-          <p:cNvPr id="2" name="Title 1"/>
-          <p:cNvSpPr>
-            <a:spLocks noGrp="1"/>
-          </p:cNvSpPr>
-          <p:nvPr>
-            <p:ph type="title"/>
-          </p:nvPr>
-        </p:nvSpPr>
-        <p:spPr/>
-        <p:txBody>
-          <a:bodyPr/>
-          <a:lstStyle/>
-          <a:p>
-            <a:r>
-              <a:t>Secrets Management Example</a:t>
-            </a:r>
-          </a:p>
-        </p:txBody>
-      </p:sp>
-      <p:sp>
-        <p:nvSpPr>
-          <p:cNvPr id="3" name="Content Placeholder 2"/>
-          <p:cNvSpPr>
-            <a:spLocks noGrp="1"/>
-          </p:cNvSpPr>
-          <p:nvPr>
-            <p:ph idx="1"/>
-          </p:nvPr>
-        </p:nvSpPr>
-        <p:spPr/>
-        <p:txBody>
-          <a:bodyPr/>
-          <a:lstStyle/>
-          <a:p/>
-        </p:txBody>
-      </p:sp>
-      <p:sp>
-        <p:nvSpPr>
-          <p:cNvPr id="4" name="TextBox 3"/>
-          <p:cNvSpPr txBox="1"/>
-          <p:nvPr/>
-        </p:nvSpPr>
-        <p:spPr>
-          <a:xfrm>
-            <a:off x="457200" y="1371600"/>
-            <a:ext cx="8229600" cy="4572000"/>
-          </a:xfrm>
-          <a:prstGeom prst="rect">
-            <a:avLst/>
-          </a:prstGeom>
-          <a:noFill/>
-        </p:spPr>
-        <p:txBody>
-          <a:bodyPr wrap="none">
-            <a:spAutoFit/>
-          </a:bodyPr>
-          <a:lstStyle/>
-          <a:p/>
-          <a:p>
-            <a:pPr>
-              <a:defRPr sz="2160"/>
-            </a:pPr>
-            <a:r>
-              <a:t># best-practices.yml</a:t>
-            </a:r>
-            <a:br/>
-            <a:r>
-              <a:t>name: Best Practices for Secrets Management</a:t>
-            </a:r>
-            <a:br/>
-            <a:br/>
-            <a:r>
-              <a:t>on: [push]</a:t>
-            </a:r>
-            <a:br/>
-            <a:br/>
-            <a:r>
-              <a:t>jobs:</a:t>
-            </a:r>
-            <a:br/>
-            <a:r>
-              <a:t>  use-secret:</a:t>
-            </a:r>
-            <a:br/>
-            <a:r>
-              <a:t>    runs-on: ubuntu-latest</a:t>
-            </a:r>
-            <a:br/>
-            <a:r>
-              <a:t>    steps:</a:t>
-            </a:r>
-            <a:br/>
-            <a:r>
-              <a:t>      - name: Checkout code</a:t>
-            </a:r>
-            <a:br/>
-            <a:r>
-              <a:t>        uses: actions/checkout@v3</a:t>
-            </a:r>
-            <a:br/>
-            <a:r>
-              <a:t>      - name: Access Secret</a:t>
-            </a:r>
-            <a:br/>
-            <a:r>
-              <a:t>        run: echo "The secret is ${{ secrets.SECRET_NAME }}"</a:t>
-            </a:r>
-          </a:p>
-        </p:txBody>
-      </p:sp>
-    </p:spTree>
-  </p:cSld>
-  <p:clrMapOvr>
-    <a:masterClrMapping/>
-  </p:clrMapOvr>
-</p:sld>
-</file>
-
-<file path=ppt/slides/slide7.xml><?xml version="1.0" encoding="utf-8"?>
-<p:sld xmlns:a="http://schemas.openxmlformats.org/drawingml/2006/main" xmlns:p="http://schemas.openxmlformats.org/presentationml/2006/main" xmlns:r="http://schemas.openxmlformats.org/officeDocument/2006/relationships">
-  <p:cSld>
-    <p:spTree>
-      <p:nvGrpSpPr>
-        <p:cNvPr id="1" name=""/>
-        <p:cNvGrpSpPr/>
-        <p:nvPr/>
-      </p:nvGrpSpPr>
-      <p:grpSpPr/>
-      <p:sp>
-        <p:nvSpPr>
-          <p:cNvPr id="2" name="Title 1"/>
-          <p:cNvSpPr>
-            <a:spLocks noGrp="1"/>
-          </p:cNvSpPr>
-          <p:nvPr>
-            <p:ph type="title"/>
-          </p:nvPr>
-        </p:nvSpPr>
-        <p:spPr/>
-        <p:txBody>
-          <a:bodyPr/>
-          <a:lstStyle/>
-          <a:p>
-            <a:r>
-              <a:t>Multi-Folder Terraform Workflow Example</a:t>
-            </a:r>
-          </a:p>
-        </p:txBody>
-      </p:sp>
-      <p:sp>
-        <p:nvSpPr>
-          <p:cNvPr id="3" name="Content Placeholder 2"/>
-          <p:cNvSpPr>
-            <a:spLocks noGrp="1"/>
-          </p:cNvSpPr>
-          <p:nvPr>
-            <p:ph idx="1"/>
-          </p:nvPr>
-        </p:nvSpPr>
-        <p:spPr/>
-        <p:txBody>
-          <a:bodyPr/>
-          <a:lstStyle/>
-          <a:p/>
-        </p:txBody>
-      </p:sp>
-      <p:sp>
-        <p:nvSpPr>
-          <p:cNvPr id="4" name="TextBox 3"/>
-          <p:cNvSpPr txBox="1"/>
-          <p:nvPr/>
-        </p:nvSpPr>
-        <p:spPr>
-          <a:xfrm>
-            <a:off x="457200" y="1371600"/>
-            <a:ext cx="8229600" cy="4572000"/>
-          </a:xfrm>
-          <a:prstGeom prst="rect">
-            <a:avLst/>
-          </a:prstGeom>
-          <a:noFill/>
-        </p:spPr>
-        <p:txBody>
-          <a:bodyPr wrap="none">
-            <a:spAutoFit/>
-          </a:bodyPr>
-          <a:lstStyle/>
-          <a:p/>
-          <a:p>
-            <a:pPr>
-              <a:defRPr sz="2160"/>
-            </a:pPr>
-            <a:r>
-              <a:t># multi-folder-terraform.yml</a:t>
-            </a:r>
-            <a:br/>
-            <a:r>
-              <a:t>name: Multi-Folder Terraform Workflow</a:t>
-            </a:r>
-            <a:br/>
-            <a:br/>
-            <a:r>
-              <a:t>on:</a:t>
-            </a:r>
-            <a:br/>
-            <a:r>
-              <a:t>  push:</a:t>
-            </a:r>
-            <a:br/>
-            <a:r>
               <a:t>    paths:</a:t>
             </a:r>
             <a:br/>
@@ -4171,6 +4796,9 @@
               <a:t>      - 'neptune/**'</a:t>
             </a:r>
             <a:br/>
+            <a:r>
+              <a:t/>
+            </a:r>
             <a:br/>
             <a:r>
               <a:t>jobs:</a:t>
